--- a/content/diagrams.pptx
+++ b/content/diagrams.pptx
@@ -108,6 +108,11 @@
       </a:defRPr>
     </a:lvl9pPr>
   </p:defaultTextStyle>
+  <p:extLst>
+    <p:ext uri="{EFAFB233-063F-42B5-8137-9DF3F51BA10A}">
+      <p15:sldGuideLst xmlns:p15="http://schemas.microsoft.com/office/powerpoint/2012/main"/>
+    </p:ext>
+  </p:extLst>
 </p:presentation>
 </file>
 
@@ -8863,7 +8868,13 @@
           <p:cNvGraphicFramePr>
             <a:graphicFrameLocks noGrp="1"/>
           </p:cNvGraphicFramePr>
-          <p:nvPr/>
+          <p:nvPr>
+            <p:extLst>
+              <p:ext uri="{D42A27DB-BD31-4B8C-83A1-F6EECF244321}">
+                <p14:modId xmlns:p14="http://schemas.microsoft.com/office/powerpoint/2010/main" val="3701700348"/>
+              </p:ext>
+            </p:extLst>
+          </p:nvPr>
         </p:nvGraphicFramePr>
         <p:xfrm>
           <a:off x="1950382" y="5169457"/>
@@ -8969,7 +8980,7 @@
                     <a:p>
                       <a:pPr algn="ctr"/>
                       <a:r>
-                        <a:rPr lang="en-US" sz="800" dirty="0"/>
+                        <a:rPr lang="en-US" sz="800" b="1" dirty="0"/>
                         <a:t>0.0.0.0/0</a:t>
                       </a:r>
                     </a:p>
@@ -9116,7 +9127,13 @@
           <p:cNvGraphicFramePr>
             <a:graphicFrameLocks noGrp="1"/>
           </p:cNvGraphicFramePr>
-          <p:nvPr/>
+          <p:nvPr>
+            <p:extLst>
+              <p:ext uri="{D42A27DB-BD31-4B8C-83A1-F6EECF244321}">
+                <p14:modId xmlns:p14="http://schemas.microsoft.com/office/powerpoint/2010/main" val="3564471352"/>
+              </p:ext>
+            </p:extLst>
+          </p:nvPr>
         </p:nvGraphicFramePr>
         <p:xfrm>
           <a:off x="5011827" y="5184505"/>
@@ -10265,7 +10282,7 @@
                 <a:ea typeface="+mn-ea"/>
                 <a:cs typeface="Arial" panose="020B0604020202020204" pitchFamily="34" charset="0"/>
               </a:rPr>
-              <a:t>Primary IP 10.0.10.11</a:t>
+              <a:t>Primary IP 10.0.1.11</a:t>
             </a:r>
           </a:p>
         </p:txBody>
@@ -11754,7 +11771,13 @@
           <p:cNvGraphicFramePr>
             <a:graphicFrameLocks noGrp="1"/>
           </p:cNvGraphicFramePr>
-          <p:nvPr/>
+          <p:nvPr>
+            <p:extLst>
+              <p:ext uri="{D42A27DB-BD31-4B8C-83A1-F6EECF244321}">
+                <p14:modId xmlns:p14="http://schemas.microsoft.com/office/powerpoint/2010/main" val="1110774642"/>
+              </p:ext>
+            </p:extLst>
+          </p:nvPr>
         </p:nvGraphicFramePr>
         <p:xfrm>
           <a:off x="1950382" y="5169457"/>
@@ -11999,148 +12022,6 @@
           </a:p>
         </p:txBody>
       </p:sp>
-      <p:sp>
-        <p:nvSpPr>
-          <p:cNvPr id="15" name="TextBox 31">
-            <a:extLst>
-              <a:ext uri="{FF2B5EF4-FFF2-40B4-BE49-F238E27FC236}">
-                <a16:creationId xmlns:a16="http://schemas.microsoft.com/office/drawing/2014/main" id="{B4C8CD0D-B90F-E503-3C88-B9C25AC51346}"/>
-              </a:ext>
-            </a:extLst>
-          </p:cNvPr>
-          <p:cNvSpPr txBox="1">
-            <a:spLocks noChangeArrowheads="1"/>
-          </p:cNvSpPr>
-          <p:nvPr/>
-        </p:nvSpPr>
-        <p:spPr bwMode="auto">
-          <a:xfrm>
-            <a:off x="4690244" y="2197944"/>
-            <a:ext cx="2279646" cy="400110"/>
-          </a:xfrm>
-          <a:prstGeom prst="rect">
-            <a:avLst/>
-          </a:prstGeom>
-          <a:noFill/>
-          <a:ln w="9525">
-            <a:noFill/>
-            <a:miter lim="800000"/>
-            <a:headEnd/>
-            <a:tailEnd/>
-          </a:ln>
-        </p:spPr>
-        <p:txBody>
-          <a:bodyPr wrap="square">
-            <a:spAutoFit/>
-          </a:bodyPr>
-          <a:lstStyle/>
-          <a:p>
-            <a:pPr marL="0" marR="0" lvl="0" indent="0" algn="ctr" defTabSz="914240" rtl="0" eaLnBrk="1" fontAlgn="auto" latinLnBrk="0" hangingPunct="1">
-              <a:lnSpc>
-                <a:spcPct val="100000"/>
-              </a:lnSpc>
-              <a:spcBef>
-                <a:spcPts val="0"/>
-              </a:spcBef>
-              <a:spcAft>
-                <a:spcPts val="0"/>
-              </a:spcAft>
-              <a:buClrTx/>
-              <a:buSzTx/>
-              <a:buFontTx/>
-              <a:buNone/>
-              <a:tabLst/>
-              <a:defRPr/>
-            </a:pPr>
-            <a:r>
-              <a:rPr kumimoji="0" lang="en-US" sz="1000" b="1" i="0" u="none" strike="noStrike" kern="1200" cap="none" spc="0" normalizeH="0" baseline="0" noProof="0" dirty="0">
-                <a:ln>
-                  <a:noFill/>
-                </a:ln>
-                <a:solidFill>
-                  <a:srgbClr val="009946"/>
-                </a:solidFill>
-                <a:effectLst/>
-                <a:uLnTx/>
-                <a:uFillTx/>
-                <a:latin typeface="Arial" panose="020B0604020202020204" pitchFamily="34" charset="0"/>
-                <a:ea typeface="Verdana" pitchFamily="34" charset="0"/>
-                <a:cs typeface="Arial" panose="020B0604020202020204" pitchFamily="34" charset="0"/>
-              </a:rPr>
-              <a:t>Public Subnet – AZ2</a:t>
-            </a:r>
-            <a:br>
-              <a:rPr kumimoji="0" lang="en-US" sz="1000" b="1" i="0" u="none" strike="noStrike" kern="1200" cap="none" spc="0" normalizeH="0" baseline="0" noProof="0" dirty="0">
-                <a:ln>
-                  <a:noFill/>
-                </a:ln>
-                <a:solidFill>
-                  <a:srgbClr val="009946"/>
-                </a:solidFill>
-                <a:effectLst/>
-                <a:uLnTx/>
-                <a:uFillTx/>
-                <a:latin typeface="Arial" panose="020B0604020202020204" pitchFamily="34" charset="0"/>
-                <a:ea typeface="Verdana" pitchFamily="34" charset="0"/>
-                <a:cs typeface="Arial" panose="020B0604020202020204" pitchFamily="34" charset="0"/>
-              </a:rPr>
-            </a:br>
-            <a:r>
-              <a:rPr kumimoji="0" lang="en-US" sz="1000" b="1" i="0" u="none" strike="noStrike" kern="1200" cap="none" spc="0" normalizeH="0" baseline="0" noProof="0" dirty="0">
-                <a:ln>
-                  <a:noFill/>
-                </a:ln>
-                <a:solidFill>
-                  <a:srgbClr val="009946"/>
-                </a:solidFill>
-                <a:effectLst/>
-                <a:uLnTx/>
-                <a:uFillTx/>
-                <a:latin typeface="Arial" panose="020B0604020202020204" pitchFamily="34" charset="0"/>
-                <a:ea typeface="Verdana" pitchFamily="34" charset="0"/>
-                <a:cs typeface="Arial" panose="020B0604020202020204" pitchFamily="34" charset="0"/>
-              </a:rPr>
-              <a:t>10.0.10.0/24</a:t>
-            </a:r>
-          </a:p>
-        </p:txBody>
-      </p:sp>
-      <p:pic>
-        <p:nvPicPr>
-          <p:cNvPr id="22" name="Graphic 21">
-            <a:extLst>
-              <a:ext uri="{FF2B5EF4-FFF2-40B4-BE49-F238E27FC236}">
-                <a16:creationId xmlns:a16="http://schemas.microsoft.com/office/drawing/2014/main" id="{9FD982A8-9B13-1479-EFA9-4CF081E3B735}"/>
-              </a:ext>
-            </a:extLst>
-          </p:cNvPr>
-          <p:cNvPicPr>
-            <a:picLocks noChangeAspect="1"/>
-          </p:cNvPicPr>
-          <p:nvPr/>
-        </p:nvPicPr>
-        <p:blipFill>
-          <a:blip r:embed="rId9">
-            <a:extLst>
-              <a:ext uri="{96DAC541-7B7A-43D3-8B79-37D633B846F1}">
-                <asvg:svgBlip xmlns:asvg="http://schemas.microsoft.com/office/drawing/2016/SVG/main" r:embed="rId10"/>
-              </a:ext>
-            </a:extLst>
-          </a:blip>
-          <a:stretch>
-            <a:fillRect/>
-          </a:stretch>
-        </p:blipFill>
-        <p:spPr>
-          <a:xfrm>
-            <a:off x="4699584" y="2192713"/>
-            <a:ext cx="197276" cy="197276"/>
-          </a:xfrm>
-          <a:prstGeom prst="rect">
-            <a:avLst/>
-          </a:prstGeom>
-        </p:spPr>
-      </p:pic>
       <p:graphicFrame>
         <p:nvGraphicFramePr>
           <p:cNvPr id="23" name="Table 22">
@@ -12153,7 +12034,13 @@
           <p:cNvGraphicFramePr>
             <a:graphicFrameLocks noGrp="1"/>
           </p:cNvGraphicFramePr>
-          <p:nvPr/>
+          <p:nvPr>
+            <p:extLst>
+              <p:ext uri="{D42A27DB-BD31-4B8C-83A1-F6EECF244321}">
+                <p14:modId xmlns:p14="http://schemas.microsoft.com/office/powerpoint/2010/main" val="2506291336"/>
+              </p:ext>
+            </p:extLst>
+          </p:nvPr>
         </p:nvGraphicFramePr>
         <p:xfrm>
           <a:off x="5011827" y="5184505"/>
@@ -12872,7 +12759,7 @@
                 <a:ea typeface="+mn-ea"/>
                 <a:cs typeface="Arial" panose="020B0604020202020204" pitchFamily="34" charset="0"/>
               </a:rPr>
-              <a:t>Secondary IP 10.0.1.11</a:t>
+              <a:t>Secondary IP 10.0.1.12</a:t>
             </a:r>
           </a:p>
         </p:txBody>
@@ -13304,7 +13191,7 @@
                 <a:ea typeface="+mn-ea"/>
                 <a:cs typeface="Arial" panose="020B0604020202020204" pitchFamily="34" charset="0"/>
               </a:rPr>
-              <a:t>Primary IP 10.0.10.10</a:t>
+              <a:t>Primary IP 10.0.1.11</a:t>
             </a:r>
           </a:p>
           <a:p>
@@ -13340,7 +13227,7 @@
                 <a:ea typeface="+mn-ea"/>
                 <a:cs typeface="Arial" panose="020B0604020202020204" pitchFamily="34" charset="0"/>
               </a:rPr>
-              <a:t>Secondary IP 10.0.1.11</a:t>
+              <a:t>Secondary IP 10.0.1.12</a:t>
             </a:r>
           </a:p>
         </p:txBody>
@@ -13971,13 +13858,13 @@
   <p:clrMapOvr>
     <a:masterClrMapping/>
   </p:clrMapOvr>
-  <mc:AlternateContent xmlns:mc="http://schemas.openxmlformats.org/markup-compatibility/2006">
-    <mc:Choice xmlns:p14="http://schemas.microsoft.com/office/powerpoint/2010/main" Requires="p14">
+  <mc:AlternateContent xmlns:mc="http://schemas.openxmlformats.org/markup-compatibility/2006" xmlns:p14="http://schemas.microsoft.com/office/powerpoint/2010/main">
+    <mc:Choice Requires="p14">
       <p:transition spd="med" p14:dur="700">
         <p:fade/>
       </p:transition>
     </mc:Choice>
-    <mc:Fallback>
+    <mc:Fallback xmlns="">
       <p:transition spd="med">
         <p:fade/>
       </p:transition>
